--- a/ppt 16-9/0522.我前热心.pptx
+++ b/ppt 16-9/0522.我前热心.pptx
@@ -5,7 +5,7 @@
     <p:sldMasterId id="2147483648" r:id="rId1"/>
   </p:sldMasterIdLst>
   <p:sldIdLst>
-    <p:sldId id="2255" r:id="rId2"/>
+    <p:sldId id="2256" r:id="rId2"/>
   </p:sldIdLst>
   <p:sldSz cx="12192000" cy="6858000"/>
   <p:notesSz cx="6858000" cy="9144000"/>
@@ -129,7 +129,7 @@
           <p:cNvPr id="2" name="标题 1">
             <a:extLst>
               <a:ext uri="{FF2B5EF4-FFF2-40B4-BE49-F238E27FC236}">
-                <a16:creationId xmlns:a16="http://schemas.microsoft.com/office/drawing/2014/main" id="{A83A3C17-13FC-5FEB-5FA6-A116D71DCE48}"/>
+                <a16:creationId xmlns:a16="http://schemas.microsoft.com/office/drawing/2014/main" id="{B453A82D-8407-9F44-647C-EC313A1AD242}"/>
               </a:ext>
             </a:extLst>
           </p:cNvPr>
@@ -166,7 +166,7 @@
           <p:cNvPr id="3" name="副标题 2">
             <a:extLst>
               <a:ext uri="{FF2B5EF4-FFF2-40B4-BE49-F238E27FC236}">
-                <a16:creationId xmlns:a16="http://schemas.microsoft.com/office/drawing/2014/main" id="{0D61D775-A884-FB3F-97D4-6F0AF5C668D4}"/>
+                <a16:creationId xmlns:a16="http://schemas.microsoft.com/office/drawing/2014/main" id="{A39C0FB0-1B90-0A00-594B-56C0C83375C5}"/>
               </a:ext>
             </a:extLst>
           </p:cNvPr>
@@ -236,7 +236,7 @@
           <p:cNvPr id="4" name="日期占位符 3">
             <a:extLst>
               <a:ext uri="{FF2B5EF4-FFF2-40B4-BE49-F238E27FC236}">
-                <a16:creationId xmlns:a16="http://schemas.microsoft.com/office/drawing/2014/main" id="{1733A279-59EA-E350-E8C7-104907F66930}"/>
+                <a16:creationId xmlns:a16="http://schemas.microsoft.com/office/drawing/2014/main" id="{FB002916-A861-9BFD-B426-E0B977B544C4}"/>
               </a:ext>
             </a:extLst>
           </p:cNvPr>
@@ -252,7 +252,7 @@
           <a:bodyPr/>
           <a:lstStyle/>
           <a:p>
-            <a:fld id="{3A9CC9AE-46E2-4394-B076-ED0AFEA872A9}" type="datetimeFigureOut">
+            <a:fld id="{3F95BE1D-2965-4816-AB5E-217F95333303}" type="datetimeFigureOut">
               <a:rPr lang="zh-CN" altLang="en-US" smtClean="0"/>
               <a:t>2024/3/10</a:t>
             </a:fld>
@@ -265,7 +265,7 @@
           <p:cNvPr id="5" name="页脚占位符 4">
             <a:extLst>
               <a:ext uri="{FF2B5EF4-FFF2-40B4-BE49-F238E27FC236}">
-                <a16:creationId xmlns:a16="http://schemas.microsoft.com/office/drawing/2014/main" id="{972A8FC0-503E-89C0-5B72-7ECEECCB9C96}"/>
+                <a16:creationId xmlns:a16="http://schemas.microsoft.com/office/drawing/2014/main" id="{AD0FB575-3A09-5819-23A0-BE503C905F9E}"/>
               </a:ext>
             </a:extLst>
           </p:cNvPr>
@@ -290,7 +290,7 @@
           <p:cNvPr id="6" name="灯片编号占位符 5">
             <a:extLst>
               <a:ext uri="{FF2B5EF4-FFF2-40B4-BE49-F238E27FC236}">
-                <a16:creationId xmlns:a16="http://schemas.microsoft.com/office/drawing/2014/main" id="{197C965D-2C95-B5B6-7345-E0DB038C3032}"/>
+                <a16:creationId xmlns:a16="http://schemas.microsoft.com/office/drawing/2014/main" id="{08D5C7DA-5201-A66A-F597-F5DAAF5A628E}"/>
               </a:ext>
             </a:extLst>
           </p:cNvPr>
@@ -306,7 +306,7 @@
           <a:bodyPr/>
           <a:lstStyle/>
           <a:p>
-            <a:fld id="{35072F84-55CF-4A77-8926-3F447541538A}" type="slidenum">
+            <a:fld id="{11D405D5-B045-436C-9251-E456448A25C6}" type="slidenum">
               <a:rPr lang="zh-CN" altLang="en-US" smtClean="0"/>
               <a:t>‹#›</a:t>
             </a:fld>
@@ -317,7 +317,7 @@
     </p:spTree>
     <p:extLst>
       <p:ext uri="{BB962C8B-B14F-4D97-AF65-F5344CB8AC3E}">
-        <p14:creationId xmlns:p14="http://schemas.microsoft.com/office/powerpoint/2010/main" val="1675133158"/>
+        <p14:creationId xmlns:p14="http://schemas.microsoft.com/office/powerpoint/2010/main" val="1497041993"/>
       </p:ext>
     </p:extLst>
   </p:cSld>
@@ -349,7 +349,7 @@
           <p:cNvPr id="2" name="标题 1">
             <a:extLst>
               <a:ext uri="{FF2B5EF4-FFF2-40B4-BE49-F238E27FC236}">
-                <a16:creationId xmlns:a16="http://schemas.microsoft.com/office/drawing/2014/main" id="{A7E1125D-683E-FBC1-C04C-9182CBF16870}"/>
+                <a16:creationId xmlns:a16="http://schemas.microsoft.com/office/drawing/2014/main" id="{47CB215B-E733-EC16-CE81-982AA4B21D00}"/>
               </a:ext>
             </a:extLst>
           </p:cNvPr>
@@ -377,7 +377,7 @@
           <p:cNvPr id="3" name="竖排文字占位符 2">
             <a:extLst>
               <a:ext uri="{FF2B5EF4-FFF2-40B4-BE49-F238E27FC236}">
-                <a16:creationId xmlns:a16="http://schemas.microsoft.com/office/drawing/2014/main" id="{CA135899-E996-2FAF-50BE-9A418DFE7CE3}"/>
+                <a16:creationId xmlns:a16="http://schemas.microsoft.com/office/drawing/2014/main" id="{9F320286-5E8C-D74D-6246-47F9B3D50836}"/>
               </a:ext>
             </a:extLst>
           </p:cNvPr>
@@ -434,7 +434,7 @@
           <p:cNvPr id="4" name="日期占位符 3">
             <a:extLst>
               <a:ext uri="{FF2B5EF4-FFF2-40B4-BE49-F238E27FC236}">
-                <a16:creationId xmlns:a16="http://schemas.microsoft.com/office/drawing/2014/main" id="{8E8425DE-B6A1-8633-438B-8E5D87623781}"/>
+                <a16:creationId xmlns:a16="http://schemas.microsoft.com/office/drawing/2014/main" id="{080A506A-8FE2-2814-9198-F12A1389B04D}"/>
               </a:ext>
             </a:extLst>
           </p:cNvPr>
@@ -450,7 +450,7 @@
           <a:bodyPr/>
           <a:lstStyle/>
           <a:p>
-            <a:fld id="{3A9CC9AE-46E2-4394-B076-ED0AFEA872A9}" type="datetimeFigureOut">
+            <a:fld id="{3F95BE1D-2965-4816-AB5E-217F95333303}" type="datetimeFigureOut">
               <a:rPr lang="zh-CN" altLang="en-US" smtClean="0"/>
               <a:t>2024/3/10</a:t>
             </a:fld>
@@ -463,7 +463,7 @@
           <p:cNvPr id="5" name="页脚占位符 4">
             <a:extLst>
               <a:ext uri="{FF2B5EF4-FFF2-40B4-BE49-F238E27FC236}">
-                <a16:creationId xmlns:a16="http://schemas.microsoft.com/office/drawing/2014/main" id="{C24E05CD-AD8A-B647-7F34-4EB4531D70CE}"/>
+                <a16:creationId xmlns:a16="http://schemas.microsoft.com/office/drawing/2014/main" id="{896823E3-AE8E-E885-FDDE-B23CD3B51510}"/>
               </a:ext>
             </a:extLst>
           </p:cNvPr>
@@ -488,7 +488,7 @@
           <p:cNvPr id="6" name="灯片编号占位符 5">
             <a:extLst>
               <a:ext uri="{FF2B5EF4-FFF2-40B4-BE49-F238E27FC236}">
-                <a16:creationId xmlns:a16="http://schemas.microsoft.com/office/drawing/2014/main" id="{6428609A-F593-FD1F-640E-4C6CBC5A675C}"/>
+                <a16:creationId xmlns:a16="http://schemas.microsoft.com/office/drawing/2014/main" id="{683D2A65-AB6D-7ECC-28E2-7E45A66C3903}"/>
               </a:ext>
             </a:extLst>
           </p:cNvPr>
@@ -504,7 +504,7 @@
           <a:bodyPr/>
           <a:lstStyle/>
           <a:p>
-            <a:fld id="{35072F84-55CF-4A77-8926-3F447541538A}" type="slidenum">
+            <a:fld id="{11D405D5-B045-436C-9251-E456448A25C6}" type="slidenum">
               <a:rPr lang="zh-CN" altLang="en-US" smtClean="0"/>
               <a:t>‹#›</a:t>
             </a:fld>
@@ -515,7 +515,7 @@
     </p:spTree>
     <p:extLst>
       <p:ext uri="{BB962C8B-B14F-4D97-AF65-F5344CB8AC3E}">
-        <p14:creationId xmlns:p14="http://schemas.microsoft.com/office/powerpoint/2010/main" val="3500810578"/>
+        <p14:creationId xmlns:p14="http://schemas.microsoft.com/office/powerpoint/2010/main" val="1456605668"/>
       </p:ext>
     </p:extLst>
   </p:cSld>
@@ -547,7 +547,7 @@
           <p:cNvPr id="2" name="竖排标题 1">
             <a:extLst>
               <a:ext uri="{FF2B5EF4-FFF2-40B4-BE49-F238E27FC236}">
-                <a16:creationId xmlns:a16="http://schemas.microsoft.com/office/drawing/2014/main" id="{77235879-D87B-1720-F993-48BA96A419A5}"/>
+                <a16:creationId xmlns:a16="http://schemas.microsoft.com/office/drawing/2014/main" id="{54392D48-0ACA-1487-B299-B2EC81205F2D}"/>
               </a:ext>
             </a:extLst>
           </p:cNvPr>
@@ -580,7 +580,7 @@
           <p:cNvPr id="3" name="竖排文字占位符 2">
             <a:extLst>
               <a:ext uri="{FF2B5EF4-FFF2-40B4-BE49-F238E27FC236}">
-                <a16:creationId xmlns:a16="http://schemas.microsoft.com/office/drawing/2014/main" id="{52121407-4B58-6F75-4D24-D1318348714D}"/>
+                <a16:creationId xmlns:a16="http://schemas.microsoft.com/office/drawing/2014/main" id="{45900490-A10B-B739-A7BE-68CD9ED968A8}"/>
               </a:ext>
             </a:extLst>
           </p:cNvPr>
@@ -642,7 +642,7 @@
           <p:cNvPr id="4" name="日期占位符 3">
             <a:extLst>
               <a:ext uri="{FF2B5EF4-FFF2-40B4-BE49-F238E27FC236}">
-                <a16:creationId xmlns:a16="http://schemas.microsoft.com/office/drawing/2014/main" id="{4458FC04-D675-3E6C-DE49-CD0F232E7A14}"/>
+                <a16:creationId xmlns:a16="http://schemas.microsoft.com/office/drawing/2014/main" id="{D3582E08-8E12-9D91-3089-9F2A6BD93247}"/>
               </a:ext>
             </a:extLst>
           </p:cNvPr>
@@ -658,7 +658,7 @@
           <a:bodyPr/>
           <a:lstStyle/>
           <a:p>
-            <a:fld id="{3A9CC9AE-46E2-4394-B076-ED0AFEA872A9}" type="datetimeFigureOut">
+            <a:fld id="{3F95BE1D-2965-4816-AB5E-217F95333303}" type="datetimeFigureOut">
               <a:rPr lang="zh-CN" altLang="en-US" smtClean="0"/>
               <a:t>2024/3/10</a:t>
             </a:fld>
@@ -671,7 +671,7 @@
           <p:cNvPr id="5" name="页脚占位符 4">
             <a:extLst>
               <a:ext uri="{FF2B5EF4-FFF2-40B4-BE49-F238E27FC236}">
-                <a16:creationId xmlns:a16="http://schemas.microsoft.com/office/drawing/2014/main" id="{BF5FD331-D94C-9065-A5AE-5F0665281687}"/>
+                <a16:creationId xmlns:a16="http://schemas.microsoft.com/office/drawing/2014/main" id="{32B70E14-FFCD-F363-572C-BAE6C64531BB}"/>
               </a:ext>
             </a:extLst>
           </p:cNvPr>
@@ -696,7 +696,7 @@
           <p:cNvPr id="6" name="灯片编号占位符 5">
             <a:extLst>
               <a:ext uri="{FF2B5EF4-FFF2-40B4-BE49-F238E27FC236}">
-                <a16:creationId xmlns:a16="http://schemas.microsoft.com/office/drawing/2014/main" id="{56793F83-DC68-8403-191E-9099F41E6FA1}"/>
+                <a16:creationId xmlns:a16="http://schemas.microsoft.com/office/drawing/2014/main" id="{47354DA4-FFBC-CFB0-FAD0-E971E8755657}"/>
               </a:ext>
             </a:extLst>
           </p:cNvPr>
@@ -712,7 +712,7 @@
           <a:bodyPr/>
           <a:lstStyle/>
           <a:p>
-            <a:fld id="{35072F84-55CF-4A77-8926-3F447541538A}" type="slidenum">
+            <a:fld id="{11D405D5-B045-436C-9251-E456448A25C6}" type="slidenum">
               <a:rPr lang="zh-CN" altLang="en-US" smtClean="0"/>
               <a:t>‹#›</a:t>
             </a:fld>
@@ -723,7 +723,7 @@
     </p:spTree>
     <p:extLst>
       <p:ext uri="{BB962C8B-B14F-4D97-AF65-F5344CB8AC3E}">
-        <p14:creationId xmlns:p14="http://schemas.microsoft.com/office/powerpoint/2010/main" val="1860340495"/>
+        <p14:creationId xmlns:p14="http://schemas.microsoft.com/office/powerpoint/2010/main" val="2782256842"/>
       </p:ext>
     </p:extLst>
   </p:cSld>
@@ -755,7 +755,7 @@
           <p:cNvPr id="2" name="标题 1">
             <a:extLst>
               <a:ext uri="{FF2B5EF4-FFF2-40B4-BE49-F238E27FC236}">
-                <a16:creationId xmlns:a16="http://schemas.microsoft.com/office/drawing/2014/main" id="{C4C3940B-1B64-8DC2-A151-818170A6AFEF}"/>
+                <a16:creationId xmlns:a16="http://schemas.microsoft.com/office/drawing/2014/main" id="{120FFCCD-1F21-EDC8-F7BF-17F40F9E65B4}"/>
               </a:ext>
             </a:extLst>
           </p:cNvPr>
@@ -783,7 +783,7 @@
           <p:cNvPr id="3" name="内容占位符 2">
             <a:extLst>
               <a:ext uri="{FF2B5EF4-FFF2-40B4-BE49-F238E27FC236}">
-                <a16:creationId xmlns:a16="http://schemas.microsoft.com/office/drawing/2014/main" id="{FDB8EF84-4BF8-BF45-63E9-C9B30A57A43D}"/>
+                <a16:creationId xmlns:a16="http://schemas.microsoft.com/office/drawing/2014/main" id="{84ECBD74-0282-B047-004D-8CD24BC0C1A3}"/>
               </a:ext>
             </a:extLst>
           </p:cNvPr>
@@ -840,7 +840,7 @@
           <p:cNvPr id="4" name="日期占位符 3">
             <a:extLst>
               <a:ext uri="{FF2B5EF4-FFF2-40B4-BE49-F238E27FC236}">
-                <a16:creationId xmlns:a16="http://schemas.microsoft.com/office/drawing/2014/main" id="{AF267F88-CEA4-94A8-4A6C-E4D9C5A5AE41}"/>
+                <a16:creationId xmlns:a16="http://schemas.microsoft.com/office/drawing/2014/main" id="{4B6D235D-B496-623D-8AE0-BF90DA5882E3}"/>
               </a:ext>
             </a:extLst>
           </p:cNvPr>
@@ -856,7 +856,7 @@
           <a:bodyPr/>
           <a:lstStyle/>
           <a:p>
-            <a:fld id="{3A9CC9AE-46E2-4394-B076-ED0AFEA872A9}" type="datetimeFigureOut">
+            <a:fld id="{3F95BE1D-2965-4816-AB5E-217F95333303}" type="datetimeFigureOut">
               <a:rPr lang="zh-CN" altLang="en-US" smtClean="0"/>
               <a:t>2024/3/10</a:t>
             </a:fld>
@@ -869,7 +869,7 @@
           <p:cNvPr id="5" name="页脚占位符 4">
             <a:extLst>
               <a:ext uri="{FF2B5EF4-FFF2-40B4-BE49-F238E27FC236}">
-                <a16:creationId xmlns:a16="http://schemas.microsoft.com/office/drawing/2014/main" id="{527D2CD5-3EB7-4BE8-557C-062586665218}"/>
+                <a16:creationId xmlns:a16="http://schemas.microsoft.com/office/drawing/2014/main" id="{9E567ADF-756C-FE6F-5E42-711A0C5537FE}"/>
               </a:ext>
             </a:extLst>
           </p:cNvPr>
@@ -894,7 +894,7 @@
           <p:cNvPr id="6" name="灯片编号占位符 5">
             <a:extLst>
               <a:ext uri="{FF2B5EF4-FFF2-40B4-BE49-F238E27FC236}">
-                <a16:creationId xmlns:a16="http://schemas.microsoft.com/office/drawing/2014/main" id="{36BF0AE5-9D99-23E8-003E-F6618BE14D6F}"/>
+                <a16:creationId xmlns:a16="http://schemas.microsoft.com/office/drawing/2014/main" id="{6646F2D6-C4A9-6EBF-76DF-794748AC8D89}"/>
               </a:ext>
             </a:extLst>
           </p:cNvPr>
@@ -910,7 +910,7 @@
           <a:bodyPr/>
           <a:lstStyle/>
           <a:p>
-            <a:fld id="{35072F84-55CF-4A77-8926-3F447541538A}" type="slidenum">
+            <a:fld id="{11D405D5-B045-436C-9251-E456448A25C6}" type="slidenum">
               <a:rPr lang="zh-CN" altLang="en-US" smtClean="0"/>
               <a:t>‹#›</a:t>
             </a:fld>
@@ -921,7 +921,7 @@
     </p:spTree>
     <p:extLst>
       <p:ext uri="{BB962C8B-B14F-4D97-AF65-F5344CB8AC3E}">
-        <p14:creationId xmlns:p14="http://schemas.microsoft.com/office/powerpoint/2010/main" val="3218385935"/>
+        <p14:creationId xmlns:p14="http://schemas.microsoft.com/office/powerpoint/2010/main" val="3009206589"/>
       </p:ext>
     </p:extLst>
   </p:cSld>
@@ -953,7 +953,7 @@
           <p:cNvPr id="2" name="标题 1">
             <a:extLst>
               <a:ext uri="{FF2B5EF4-FFF2-40B4-BE49-F238E27FC236}">
-                <a16:creationId xmlns:a16="http://schemas.microsoft.com/office/drawing/2014/main" id="{9B588499-0FE3-689B-81B7-C87B205747B9}"/>
+                <a16:creationId xmlns:a16="http://schemas.microsoft.com/office/drawing/2014/main" id="{3C3D846E-7F6F-C42B-36C4-DD3C51B7E16A}"/>
               </a:ext>
             </a:extLst>
           </p:cNvPr>
@@ -990,7 +990,7 @@
           <p:cNvPr id="3" name="文本占位符 2">
             <a:extLst>
               <a:ext uri="{FF2B5EF4-FFF2-40B4-BE49-F238E27FC236}">
-                <a16:creationId xmlns:a16="http://schemas.microsoft.com/office/drawing/2014/main" id="{9AA59BD1-3FBF-E27F-80E4-8BDF0397C89E}"/>
+                <a16:creationId xmlns:a16="http://schemas.microsoft.com/office/drawing/2014/main" id="{2A994DBF-8463-98D9-5E53-C2CA9459AA90}"/>
               </a:ext>
             </a:extLst>
           </p:cNvPr>
@@ -1115,7 +1115,7 @@
           <p:cNvPr id="4" name="日期占位符 3">
             <a:extLst>
               <a:ext uri="{FF2B5EF4-FFF2-40B4-BE49-F238E27FC236}">
-                <a16:creationId xmlns:a16="http://schemas.microsoft.com/office/drawing/2014/main" id="{8A12B5CC-4E5F-7DBF-641C-F08779AE278A}"/>
+                <a16:creationId xmlns:a16="http://schemas.microsoft.com/office/drawing/2014/main" id="{D4BBF2E7-D6F6-2791-8C61-007410EF3F0D}"/>
               </a:ext>
             </a:extLst>
           </p:cNvPr>
@@ -1131,7 +1131,7 @@
           <a:bodyPr/>
           <a:lstStyle/>
           <a:p>
-            <a:fld id="{3A9CC9AE-46E2-4394-B076-ED0AFEA872A9}" type="datetimeFigureOut">
+            <a:fld id="{3F95BE1D-2965-4816-AB5E-217F95333303}" type="datetimeFigureOut">
               <a:rPr lang="zh-CN" altLang="en-US" smtClean="0"/>
               <a:t>2024/3/10</a:t>
             </a:fld>
@@ -1144,7 +1144,7 @@
           <p:cNvPr id="5" name="页脚占位符 4">
             <a:extLst>
               <a:ext uri="{FF2B5EF4-FFF2-40B4-BE49-F238E27FC236}">
-                <a16:creationId xmlns:a16="http://schemas.microsoft.com/office/drawing/2014/main" id="{C5119805-E63B-3699-85FD-B809E48C701D}"/>
+                <a16:creationId xmlns:a16="http://schemas.microsoft.com/office/drawing/2014/main" id="{1DD565DD-CF85-3756-2864-A7ADC4109E7F}"/>
               </a:ext>
             </a:extLst>
           </p:cNvPr>
@@ -1169,7 +1169,7 @@
           <p:cNvPr id="6" name="灯片编号占位符 5">
             <a:extLst>
               <a:ext uri="{FF2B5EF4-FFF2-40B4-BE49-F238E27FC236}">
-                <a16:creationId xmlns:a16="http://schemas.microsoft.com/office/drawing/2014/main" id="{A2196B78-D214-DC8D-1CA7-8A2624F65E13}"/>
+                <a16:creationId xmlns:a16="http://schemas.microsoft.com/office/drawing/2014/main" id="{8478D1B5-04ED-D79E-1A0F-20A3A0FA5B20}"/>
               </a:ext>
             </a:extLst>
           </p:cNvPr>
@@ -1185,7 +1185,7 @@
           <a:bodyPr/>
           <a:lstStyle/>
           <a:p>
-            <a:fld id="{35072F84-55CF-4A77-8926-3F447541538A}" type="slidenum">
+            <a:fld id="{11D405D5-B045-436C-9251-E456448A25C6}" type="slidenum">
               <a:rPr lang="zh-CN" altLang="en-US" smtClean="0"/>
               <a:t>‹#›</a:t>
             </a:fld>
@@ -1196,7 +1196,7 @@
     </p:spTree>
     <p:extLst>
       <p:ext uri="{BB962C8B-B14F-4D97-AF65-F5344CB8AC3E}">
-        <p14:creationId xmlns:p14="http://schemas.microsoft.com/office/powerpoint/2010/main" val="3716680483"/>
+        <p14:creationId xmlns:p14="http://schemas.microsoft.com/office/powerpoint/2010/main" val="2359279183"/>
       </p:ext>
     </p:extLst>
   </p:cSld>
@@ -1228,7 +1228,7 @@
           <p:cNvPr id="2" name="标题 1">
             <a:extLst>
               <a:ext uri="{FF2B5EF4-FFF2-40B4-BE49-F238E27FC236}">
-                <a16:creationId xmlns:a16="http://schemas.microsoft.com/office/drawing/2014/main" id="{4711DAE8-0BA6-C403-52AC-B355002CBF57}"/>
+                <a16:creationId xmlns:a16="http://schemas.microsoft.com/office/drawing/2014/main" id="{87C73DA3-38E1-95F5-2FEC-39AABC6DC2A9}"/>
               </a:ext>
             </a:extLst>
           </p:cNvPr>
@@ -1256,7 +1256,7 @@
           <p:cNvPr id="3" name="内容占位符 2">
             <a:extLst>
               <a:ext uri="{FF2B5EF4-FFF2-40B4-BE49-F238E27FC236}">
-                <a16:creationId xmlns:a16="http://schemas.microsoft.com/office/drawing/2014/main" id="{370994C3-15D8-59D9-3B2D-B73D331527AA}"/>
+                <a16:creationId xmlns:a16="http://schemas.microsoft.com/office/drawing/2014/main" id="{9EE2CA88-5B8B-5DCB-63E0-7A771CEDE25C}"/>
               </a:ext>
             </a:extLst>
           </p:cNvPr>
@@ -1318,7 +1318,7 @@
           <p:cNvPr id="4" name="内容占位符 3">
             <a:extLst>
               <a:ext uri="{FF2B5EF4-FFF2-40B4-BE49-F238E27FC236}">
-                <a16:creationId xmlns:a16="http://schemas.microsoft.com/office/drawing/2014/main" id="{09F6E306-10B8-8EBD-1479-BAA3D49B1926}"/>
+                <a16:creationId xmlns:a16="http://schemas.microsoft.com/office/drawing/2014/main" id="{225DDDBD-8577-6BB9-E3C9-FEA760D8BF58}"/>
               </a:ext>
             </a:extLst>
           </p:cNvPr>
@@ -1380,7 +1380,7 @@
           <p:cNvPr id="5" name="日期占位符 4">
             <a:extLst>
               <a:ext uri="{FF2B5EF4-FFF2-40B4-BE49-F238E27FC236}">
-                <a16:creationId xmlns:a16="http://schemas.microsoft.com/office/drawing/2014/main" id="{C4BBEF12-5595-377A-FE80-B87D4AE77F05}"/>
+                <a16:creationId xmlns:a16="http://schemas.microsoft.com/office/drawing/2014/main" id="{3AAE25E1-6D51-0D4D-5B62-9CC7A1465CC3}"/>
               </a:ext>
             </a:extLst>
           </p:cNvPr>
@@ -1396,7 +1396,7 @@
           <a:bodyPr/>
           <a:lstStyle/>
           <a:p>
-            <a:fld id="{3A9CC9AE-46E2-4394-B076-ED0AFEA872A9}" type="datetimeFigureOut">
+            <a:fld id="{3F95BE1D-2965-4816-AB5E-217F95333303}" type="datetimeFigureOut">
               <a:rPr lang="zh-CN" altLang="en-US" smtClean="0"/>
               <a:t>2024/3/10</a:t>
             </a:fld>
@@ -1409,7 +1409,7 @@
           <p:cNvPr id="6" name="页脚占位符 5">
             <a:extLst>
               <a:ext uri="{FF2B5EF4-FFF2-40B4-BE49-F238E27FC236}">
-                <a16:creationId xmlns:a16="http://schemas.microsoft.com/office/drawing/2014/main" id="{4C18071C-7332-D20C-D4B8-AC368DDB9A1E}"/>
+                <a16:creationId xmlns:a16="http://schemas.microsoft.com/office/drawing/2014/main" id="{AA145A91-1AB9-CC74-EDE8-C5959E2A0617}"/>
               </a:ext>
             </a:extLst>
           </p:cNvPr>
@@ -1434,7 +1434,7 @@
           <p:cNvPr id="7" name="灯片编号占位符 6">
             <a:extLst>
               <a:ext uri="{FF2B5EF4-FFF2-40B4-BE49-F238E27FC236}">
-                <a16:creationId xmlns:a16="http://schemas.microsoft.com/office/drawing/2014/main" id="{3A1C6F4D-F613-4832-915B-90342DC9443A}"/>
+                <a16:creationId xmlns:a16="http://schemas.microsoft.com/office/drawing/2014/main" id="{D992D32C-77A1-9B5D-360D-61382D5F7A05}"/>
               </a:ext>
             </a:extLst>
           </p:cNvPr>
@@ -1450,7 +1450,7 @@
           <a:bodyPr/>
           <a:lstStyle/>
           <a:p>
-            <a:fld id="{35072F84-55CF-4A77-8926-3F447541538A}" type="slidenum">
+            <a:fld id="{11D405D5-B045-436C-9251-E456448A25C6}" type="slidenum">
               <a:rPr lang="zh-CN" altLang="en-US" smtClean="0"/>
               <a:t>‹#›</a:t>
             </a:fld>
@@ -1461,7 +1461,7 @@
     </p:spTree>
     <p:extLst>
       <p:ext uri="{BB962C8B-B14F-4D97-AF65-F5344CB8AC3E}">
-        <p14:creationId xmlns:p14="http://schemas.microsoft.com/office/powerpoint/2010/main" val="4086653438"/>
+        <p14:creationId xmlns:p14="http://schemas.microsoft.com/office/powerpoint/2010/main" val="1299288431"/>
       </p:ext>
     </p:extLst>
   </p:cSld>
@@ -1493,7 +1493,7 @@
           <p:cNvPr id="2" name="标题 1">
             <a:extLst>
               <a:ext uri="{FF2B5EF4-FFF2-40B4-BE49-F238E27FC236}">
-                <a16:creationId xmlns:a16="http://schemas.microsoft.com/office/drawing/2014/main" id="{6C981912-450D-F402-F513-8A3350887AE8}"/>
+                <a16:creationId xmlns:a16="http://schemas.microsoft.com/office/drawing/2014/main" id="{02694E06-3509-E766-932C-6D6D32AFEF7D}"/>
               </a:ext>
             </a:extLst>
           </p:cNvPr>
@@ -1526,7 +1526,7 @@
           <p:cNvPr id="3" name="文本占位符 2">
             <a:extLst>
               <a:ext uri="{FF2B5EF4-FFF2-40B4-BE49-F238E27FC236}">
-                <a16:creationId xmlns:a16="http://schemas.microsoft.com/office/drawing/2014/main" id="{5ABBE21F-1AAB-ABA6-89D9-D700E3923968}"/>
+                <a16:creationId xmlns:a16="http://schemas.microsoft.com/office/drawing/2014/main" id="{739EB0BE-9307-BC72-43C4-2D1F77651C08}"/>
               </a:ext>
             </a:extLst>
           </p:cNvPr>
@@ -1597,7 +1597,7 @@
           <p:cNvPr id="4" name="内容占位符 3">
             <a:extLst>
               <a:ext uri="{FF2B5EF4-FFF2-40B4-BE49-F238E27FC236}">
-                <a16:creationId xmlns:a16="http://schemas.microsoft.com/office/drawing/2014/main" id="{B93A2011-F011-3CFB-C65B-55816BF99508}"/>
+                <a16:creationId xmlns:a16="http://schemas.microsoft.com/office/drawing/2014/main" id="{6CB92F40-AFD4-08A4-06BF-67CF103C34C1}"/>
               </a:ext>
             </a:extLst>
           </p:cNvPr>
@@ -1659,7 +1659,7 @@
           <p:cNvPr id="5" name="文本占位符 4">
             <a:extLst>
               <a:ext uri="{FF2B5EF4-FFF2-40B4-BE49-F238E27FC236}">
-                <a16:creationId xmlns:a16="http://schemas.microsoft.com/office/drawing/2014/main" id="{67D7A79D-F8D1-9A9B-40A6-FAEF5E42F137}"/>
+                <a16:creationId xmlns:a16="http://schemas.microsoft.com/office/drawing/2014/main" id="{ED56E87C-605D-0B94-0069-829BB894F7DB}"/>
               </a:ext>
             </a:extLst>
           </p:cNvPr>
@@ -1730,7 +1730,7 @@
           <p:cNvPr id="6" name="内容占位符 5">
             <a:extLst>
               <a:ext uri="{FF2B5EF4-FFF2-40B4-BE49-F238E27FC236}">
-                <a16:creationId xmlns:a16="http://schemas.microsoft.com/office/drawing/2014/main" id="{540F9756-F8FF-FDE0-5FB1-4232A4DE50F4}"/>
+                <a16:creationId xmlns:a16="http://schemas.microsoft.com/office/drawing/2014/main" id="{C79CFA8F-8C41-1A9F-ABAC-66CB5A6D89C2}"/>
               </a:ext>
             </a:extLst>
           </p:cNvPr>
@@ -1792,7 +1792,7 @@
           <p:cNvPr id="7" name="日期占位符 6">
             <a:extLst>
               <a:ext uri="{FF2B5EF4-FFF2-40B4-BE49-F238E27FC236}">
-                <a16:creationId xmlns:a16="http://schemas.microsoft.com/office/drawing/2014/main" id="{0DE6290D-92F8-FD74-E49E-CE0F0CFDB0D8}"/>
+                <a16:creationId xmlns:a16="http://schemas.microsoft.com/office/drawing/2014/main" id="{D3C4C662-E13D-DB8D-E092-D41FEE3366A2}"/>
               </a:ext>
             </a:extLst>
           </p:cNvPr>
@@ -1808,7 +1808,7 @@
           <a:bodyPr/>
           <a:lstStyle/>
           <a:p>
-            <a:fld id="{3A9CC9AE-46E2-4394-B076-ED0AFEA872A9}" type="datetimeFigureOut">
+            <a:fld id="{3F95BE1D-2965-4816-AB5E-217F95333303}" type="datetimeFigureOut">
               <a:rPr lang="zh-CN" altLang="en-US" smtClean="0"/>
               <a:t>2024/3/10</a:t>
             </a:fld>
@@ -1821,7 +1821,7 @@
           <p:cNvPr id="8" name="页脚占位符 7">
             <a:extLst>
               <a:ext uri="{FF2B5EF4-FFF2-40B4-BE49-F238E27FC236}">
-                <a16:creationId xmlns:a16="http://schemas.microsoft.com/office/drawing/2014/main" id="{E3301565-89BE-85C9-171A-F3A416015B83}"/>
+                <a16:creationId xmlns:a16="http://schemas.microsoft.com/office/drawing/2014/main" id="{BD99F6EC-6371-BE2C-CCB4-67F1F755E9BF}"/>
               </a:ext>
             </a:extLst>
           </p:cNvPr>
@@ -1846,7 +1846,7 @@
           <p:cNvPr id="9" name="灯片编号占位符 8">
             <a:extLst>
               <a:ext uri="{FF2B5EF4-FFF2-40B4-BE49-F238E27FC236}">
-                <a16:creationId xmlns:a16="http://schemas.microsoft.com/office/drawing/2014/main" id="{D2D5D8F0-91C6-C3DF-0C53-3790D7DA10A9}"/>
+                <a16:creationId xmlns:a16="http://schemas.microsoft.com/office/drawing/2014/main" id="{068D2CFF-3D32-9D06-76F4-6184A91BC258}"/>
               </a:ext>
             </a:extLst>
           </p:cNvPr>
@@ -1862,7 +1862,7 @@
           <a:bodyPr/>
           <a:lstStyle/>
           <a:p>
-            <a:fld id="{35072F84-55CF-4A77-8926-3F447541538A}" type="slidenum">
+            <a:fld id="{11D405D5-B045-436C-9251-E456448A25C6}" type="slidenum">
               <a:rPr lang="zh-CN" altLang="en-US" smtClean="0"/>
               <a:t>‹#›</a:t>
             </a:fld>
@@ -1873,7 +1873,7 @@
     </p:spTree>
     <p:extLst>
       <p:ext uri="{BB962C8B-B14F-4D97-AF65-F5344CB8AC3E}">
-        <p14:creationId xmlns:p14="http://schemas.microsoft.com/office/powerpoint/2010/main" val="1194266810"/>
+        <p14:creationId xmlns:p14="http://schemas.microsoft.com/office/powerpoint/2010/main" val="1537370162"/>
       </p:ext>
     </p:extLst>
   </p:cSld>
@@ -1905,7 +1905,7 @@
           <p:cNvPr id="2" name="标题 1">
             <a:extLst>
               <a:ext uri="{FF2B5EF4-FFF2-40B4-BE49-F238E27FC236}">
-                <a16:creationId xmlns:a16="http://schemas.microsoft.com/office/drawing/2014/main" id="{D29A574C-27D9-8C07-EF8E-1C14FF1458C2}"/>
+                <a16:creationId xmlns:a16="http://schemas.microsoft.com/office/drawing/2014/main" id="{4B062DEB-D308-5841-6983-68F039967A86}"/>
               </a:ext>
             </a:extLst>
           </p:cNvPr>
@@ -1933,7 +1933,7 @@
           <p:cNvPr id="3" name="日期占位符 2">
             <a:extLst>
               <a:ext uri="{FF2B5EF4-FFF2-40B4-BE49-F238E27FC236}">
-                <a16:creationId xmlns:a16="http://schemas.microsoft.com/office/drawing/2014/main" id="{518FAF39-E0A1-EFA3-9AED-735A2DCE86D3}"/>
+                <a16:creationId xmlns:a16="http://schemas.microsoft.com/office/drawing/2014/main" id="{A4D0FA51-0629-B21D-08E0-7CDE6BA9C271}"/>
               </a:ext>
             </a:extLst>
           </p:cNvPr>
@@ -1949,7 +1949,7 @@
           <a:bodyPr/>
           <a:lstStyle/>
           <a:p>
-            <a:fld id="{3A9CC9AE-46E2-4394-B076-ED0AFEA872A9}" type="datetimeFigureOut">
+            <a:fld id="{3F95BE1D-2965-4816-AB5E-217F95333303}" type="datetimeFigureOut">
               <a:rPr lang="zh-CN" altLang="en-US" smtClean="0"/>
               <a:t>2024/3/10</a:t>
             </a:fld>
@@ -1962,7 +1962,7 @@
           <p:cNvPr id="4" name="页脚占位符 3">
             <a:extLst>
               <a:ext uri="{FF2B5EF4-FFF2-40B4-BE49-F238E27FC236}">
-                <a16:creationId xmlns:a16="http://schemas.microsoft.com/office/drawing/2014/main" id="{255E1B51-FF3D-4806-FF7C-60BFA13B2EE6}"/>
+                <a16:creationId xmlns:a16="http://schemas.microsoft.com/office/drawing/2014/main" id="{3A2D0932-2BF9-FDA7-3530-974672F2724D}"/>
               </a:ext>
             </a:extLst>
           </p:cNvPr>
@@ -1987,7 +1987,7 @@
           <p:cNvPr id="5" name="灯片编号占位符 4">
             <a:extLst>
               <a:ext uri="{FF2B5EF4-FFF2-40B4-BE49-F238E27FC236}">
-                <a16:creationId xmlns:a16="http://schemas.microsoft.com/office/drawing/2014/main" id="{27ACF2CA-F337-803E-1855-D4EF7B523D4A}"/>
+                <a16:creationId xmlns:a16="http://schemas.microsoft.com/office/drawing/2014/main" id="{CC4DC76C-DB1A-CC49-C28F-E6821C6D38CA}"/>
               </a:ext>
             </a:extLst>
           </p:cNvPr>
@@ -2003,7 +2003,7 @@
           <a:bodyPr/>
           <a:lstStyle/>
           <a:p>
-            <a:fld id="{35072F84-55CF-4A77-8926-3F447541538A}" type="slidenum">
+            <a:fld id="{11D405D5-B045-436C-9251-E456448A25C6}" type="slidenum">
               <a:rPr lang="zh-CN" altLang="en-US" smtClean="0"/>
               <a:t>‹#›</a:t>
             </a:fld>
@@ -2014,7 +2014,7 @@
     </p:spTree>
     <p:extLst>
       <p:ext uri="{BB962C8B-B14F-4D97-AF65-F5344CB8AC3E}">
-        <p14:creationId xmlns:p14="http://schemas.microsoft.com/office/powerpoint/2010/main" val="2616248554"/>
+        <p14:creationId xmlns:p14="http://schemas.microsoft.com/office/powerpoint/2010/main" val="2444576263"/>
       </p:ext>
     </p:extLst>
   </p:cSld>
@@ -2046,7 +2046,7 @@
           <p:cNvPr id="2" name="日期占位符 1">
             <a:extLst>
               <a:ext uri="{FF2B5EF4-FFF2-40B4-BE49-F238E27FC236}">
-                <a16:creationId xmlns:a16="http://schemas.microsoft.com/office/drawing/2014/main" id="{4619E02F-8E0E-7ADE-319D-FA5FE655022E}"/>
+                <a16:creationId xmlns:a16="http://schemas.microsoft.com/office/drawing/2014/main" id="{1770D6FB-1BD9-4C84-0BE3-72424BDA3DE6}"/>
               </a:ext>
             </a:extLst>
           </p:cNvPr>
@@ -2062,7 +2062,7 @@
           <a:bodyPr/>
           <a:lstStyle/>
           <a:p>
-            <a:fld id="{3A9CC9AE-46E2-4394-B076-ED0AFEA872A9}" type="datetimeFigureOut">
+            <a:fld id="{3F95BE1D-2965-4816-AB5E-217F95333303}" type="datetimeFigureOut">
               <a:rPr lang="zh-CN" altLang="en-US" smtClean="0"/>
               <a:t>2024/3/10</a:t>
             </a:fld>
@@ -2075,7 +2075,7 @@
           <p:cNvPr id="3" name="页脚占位符 2">
             <a:extLst>
               <a:ext uri="{FF2B5EF4-FFF2-40B4-BE49-F238E27FC236}">
-                <a16:creationId xmlns:a16="http://schemas.microsoft.com/office/drawing/2014/main" id="{F225F7A4-2181-2D3D-062C-528CD3B9C286}"/>
+                <a16:creationId xmlns:a16="http://schemas.microsoft.com/office/drawing/2014/main" id="{44FD7064-734E-A23B-89C7-85F6FD33756E}"/>
               </a:ext>
             </a:extLst>
           </p:cNvPr>
@@ -2100,7 +2100,7 @@
           <p:cNvPr id="4" name="灯片编号占位符 3">
             <a:extLst>
               <a:ext uri="{FF2B5EF4-FFF2-40B4-BE49-F238E27FC236}">
-                <a16:creationId xmlns:a16="http://schemas.microsoft.com/office/drawing/2014/main" id="{7474989D-08CD-EBF6-56C6-65AC79198D67}"/>
+                <a16:creationId xmlns:a16="http://schemas.microsoft.com/office/drawing/2014/main" id="{C6766629-CE95-56DB-F57C-7AEE8B09CB82}"/>
               </a:ext>
             </a:extLst>
           </p:cNvPr>
@@ -2116,7 +2116,7 @@
           <a:bodyPr/>
           <a:lstStyle/>
           <a:p>
-            <a:fld id="{35072F84-55CF-4A77-8926-3F447541538A}" type="slidenum">
+            <a:fld id="{11D405D5-B045-436C-9251-E456448A25C6}" type="slidenum">
               <a:rPr lang="zh-CN" altLang="en-US" smtClean="0"/>
               <a:t>‹#›</a:t>
             </a:fld>
@@ -2127,7 +2127,7 @@
     </p:spTree>
     <p:extLst>
       <p:ext uri="{BB962C8B-B14F-4D97-AF65-F5344CB8AC3E}">
-        <p14:creationId xmlns:p14="http://schemas.microsoft.com/office/powerpoint/2010/main" val="795157147"/>
+        <p14:creationId xmlns:p14="http://schemas.microsoft.com/office/powerpoint/2010/main" val="2113241869"/>
       </p:ext>
     </p:extLst>
   </p:cSld>
@@ -2159,7 +2159,7 @@
           <p:cNvPr id="2" name="标题 1">
             <a:extLst>
               <a:ext uri="{FF2B5EF4-FFF2-40B4-BE49-F238E27FC236}">
-                <a16:creationId xmlns:a16="http://schemas.microsoft.com/office/drawing/2014/main" id="{80894802-D62A-A2F2-2F24-2BE63978C7FE}"/>
+                <a16:creationId xmlns:a16="http://schemas.microsoft.com/office/drawing/2014/main" id="{B2203180-F4B2-3DDF-BD36-2C9F0EBF393E}"/>
               </a:ext>
             </a:extLst>
           </p:cNvPr>
@@ -2196,7 +2196,7 @@
           <p:cNvPr id="3" name="内容占位符 2">
             <a:extLst>
               <a:ext uri="{FF2B5EF4-FFF2-40B4-BE49-F238E27FC236}">
-                <a16:creationId xmlns:a16="http://schemas.microsoft.com/office/drawing/2014/main" id="{D4342264-337A-47F0-2243-934B3A5F59F6}"/>
+                <a16:creationId xmlns:a16="http://schemas.microsoft.com/office/drawing/2014/main" id="{1F142B22-231E-82C5-E3EA-A1DE045610A6}"/>
               </a:ext>
             </a:extLst>
           </p:cNvPr>
@@ -2286,7 +2286,7 @@
           <p:cNvPr id="4" name="文本占位符 3">
             <a:extLst>
               <a:ext uri="{FF2B5EF4-FFF2-40B4-BE49-F238E27FC236}">
-                <a16:creationId xmlns:a16="http://schemas.microsoft.com/office/drawing/2014/main" id="{B70F6AF1-3785-9BB5-BDA9-56A2C322973E}"/>
+                <a16:creationId xmlns:a16="http://schemas.microsoft.com/office/drawing/2014/main" id="{54D2D228-84A6-0EF3-206A-CA352AFCC400}"/>
               </a:ext>
             </a:extLst>
           </p:cNvPr>
@@ -2357,7 +2357,7 @@
           <p:cNvPr id="5" name="日期占位符 4">
             <a:extLst>
               <a:ext uri="{FF2B5EF4-FFF2-40B4-BE49-F238E27FC236}">
-                <a16:creationId xmlns:a16="http://schemas.microsoft.com/office/drawing/2014/main" id="{7D5B2D19-B3F7-510C-2533-80B22B70655E}"/>
+                <a16:creationId xmlns:a16="http://schemas.microsoft.com/office/drawing/2014/main" id="{D21FDA2C-F6B6-6E54-5CBE-A7864E3441A5}"/>
               </a:ext>
             </a:extLst>
           </p:cNvPr>
@@ -2373,7 +2373,7 @@
           <a:bodyPr/>
           <a:lstStyle/>
           <a:p>
-            <a:fld id="{3A9CC9AE-46E2-4394-B076-ED0AFEA872A9}" type="datetimeFigureOut">
+            <a:fld id="{3F95BE1D-2965-4816-AB5E-217F95333303}" type="datetimeFigureOut">
               <a:rPr lang="zh-CN" altLang="en-US" smtClean="0"/>
               <a:t>2024/3/10</a:t>
             </a:fld>
@@ -2386,7 +2386,7 @@
           <p:cNvPr id="6" name="页脚占位符 5">
             <a:extLst>
               <a:ext uri="{FF2B5EF4-FFF2-40B4-BE49-F238E27FC236}">
-                <a16:creationId xmlns:a16="http://schemas.microsoft.com/office/drawing/2014/main" id="{68B4BE0E-D390-9C46-DD7B-E3D0B11B898E}"/>
+                <a16:creationId xmlns:a16="http://schemas.microsoft.com/office/drawing/2014/main" id="{FE83D55E-073C-90BB-4D38-BBD4A0B19D7C}"/>
               </a:ext>
             </a:extLst>
           </p:cNvPr>
@@ -2411,7 +2411,7 @@
           <p:cNvPr id="7" name="灯片编号占位符 6">
             <a:extLst>
               <a:ext uri="{FF2B5EF4-FFF2-40B4-BE49-F238E27FC236}">
-                <a16:creationId xmlns:a16="http://schemas.microsoft.com/office/drawing/2014/main" id="{3AA319C8-0529-D678-C824-38AED493AA0B}"/>
+                <a16:creationId xmlns:a16="http://schemas.microsoft.com/office/drawing/2014/main" id="{EC984B0E-E124-7A60-A83F-773AFD5E1470}"/>
               </a:ext>
             </a:extLst>
           </p:cNvPr>
@@ -2427,7 +2427,7 @@
           <a:bodyPr/>
           <a:lstStyle/>
           <a:p>
-            <a:fld id="{35072F84-55CF-4A77-8926-3F447541538A}" type="slidenum">
+            <a:fld id="{11D405D5-B045-436C-9251-E456448A25C6}" type="slidenum">
               <a:rPr lang="zh-CN" altLang="en-US" smtClean="0"/>
               <a:t>‹#›</a:t>
             </a:fld>
@@ -2438,7 +2438,7 @@
     </p:spTree>
     <p:extLst>
       <p:ext uri="{BB962C8B-B14F-4D97-AF65-F5344CB8AC3E}">
-        <p14:creationId xmlns:p14="http://schemas.microsoft.com/office/powerpoint/2010/main" val="474022821"/>
+        <p14:creationId xmlns:p14="http://schemas.microsoft.com/office/powerpoint/2010/main" val="3422417980"/>
       </p:ext>
     </p:extLst>
   </p:cSld>
@@ -2470,7 +2470,7 @@
           <p:cNvPr id="2" name="标题 1">
             <a:extLst>
               <a:ext uri="{FF2B5EF4-FFF2-40B4-BE49-F238E27FC236}">
-                <a16:creationId xmlns:a16="http://schemas.microsoft.com/office/drawing/2014/main" id="{A7A19F91-D0B5-A1A5-86B1-0FDF118FD757}"/>
+                <a16:creationId xmlns:a16="http://schemas.microsoft.com/office/drawing/2014/main" id="{96A67B63-C351-E4D9-B726-8995085BFD24}"/>
               </a:ext>
             </a:extLst>
           </p:cNvPr>
@@ -2507,7 +2507,7 @@
           <p:cNvPr id="3" name="图片占位符 2">
             <a:extLst>
               <a:ext uri="{FF2B5EF4-FFF2-40B4-BE49-F238E27FC236}">
-                <a16:creationId xmlns:a16="http://schemas.microsoft.com/office/drawing/2014/main" id="{57A88BB9-C8E7-5FE0-EE66-049CE67A1D0C}"/>
+                <a16:creationId xmlns:a16="http://schemas.microsoft.com/office/drawing/2014/main" id="{3D6A6440-9A04-DD1C-C7A5-3F68458F8C73}"/>
               </a:ext>
             </a:extLst>
           </p:cNvPr>
@@ -2574,7 +2574,7 @@
           <p:cNvPr id="4" name="文本占位符 3">
             <a:extLst>
               <a:ext uri="{FF2B5EF4-FFF2-40B4-BE49-F238E27FC236}">
-                <a16:creationId xmlns:a16="http://schemas.microsoft.com/office/drawing/2014/main" id="{934216A5-C574-D8A1-A93B-316264F702C9}"/>
+                <a16:creationId xmlns:a16="http://schemas.microsoft.com/office/drawing/2014/main" id="{DB35B363-E3EA-B1A4-5760-452723CE5354}"/>
               </a:ext>
             </a:extLst>
           </p:cNvPr>
@@ -2645,7 +2645,7 @@
           <p:cNvPr id="5" name="日期占位符 4">
             <a:extLst>
               <a:ext uri="{FF2B5EF4-FFF2-40B4-BE49-F238E27FC236}">
-                <a16:creationId xmlns:a16="http://schemas.microsoft.com/office/drawing/2014/main" id="{03FD4DAC-630A-16BB-CCB0-B29EFA44AC6B}"/>
+                <a16:creationId xmlns:a16="http://schemas.microsoft.com/office/drawing/2014/main" id="{2237DCC6-6270-F6B5-ABC9-F091BBF02EB3}"/>
               </a:ext>
             </a:extLst>
           </p:cNvPr>
@@ -2661,7 +2661,7 @@
           <a:bodyPr/>
           <a:lstStyle/>
           <a:p>
-            <a:fld id="{3A9CC9AE-46E2-4394-B076-ED0AFEA872A9}" type="datetimeFigureOut">
+            <a:fld id="{3F95BE1D-2965-4816-AB5E-217F95333303}" type="datetimeFigureOut">
               <a:rPr lang="zh-CN" altLang="en-US" smtClean="0"/>
               <a:t>2024/3/10</a:t>
             </a:fld>
@@ -2674,7 +2674,7 @@
           <p:cNvPr id="6" name="页脚占位符 5">
             <a:extLst>
               <a:ext uri="{FF2B5EF4-FFF2-40B4-BE49-F238E27FC236}">
-                <a16:creationId xmlns:a16="http://schemas.microsoft.com/office/drawing/2014/main" id="{F5BB9FD8-E471-E28A-8414-741CCFA92A59}"/>
+                <a16:creationId xmlns:a16="http://schemas.microsoft.com/office/drawing/2014/main" id="{1839FDB2-9E98-D402-5F21-290FE879E4F7}"/>
               </a:ext>
             </a:extLst>
           </p:cNvPr>
@@ -2699,7 +2699,7 @@
           <p:cNvPr id="7" name="灯片编号占位符 6">
             <a:extLst>
               <a:ext uri="{FF2B5EF4-FFF2-40B4-BE49-F238E27FC236}">
-                <a16:creationId xmlns:a16="http://schemas.microsoft.com/office/drawing/2014/main" id="{06B71081-4E1B-6A54-2926-36DB2AC729EC}"/>
+                <a16:creationId xmlns:a16="http://schemas.microsoft.com/office/drawing/2014/main" id="{E1A03C96-8A3B-AD32-6EC8-715458A94C2B}"/>
               </a:ext>
             </a:extLst>
           </p:cNvPr>
@@ -2715,7 +2715,7 @@
           <a:bodyPr/>
           <a:lstStyle/>
           <a:p>
-            <a:fld id="{35072F84-55CF-4A77-8926-3F447541538A}" type="slidenum">
+            <a:fld id="{11D405D5-B045-436C-9251-E456448A25C6}" type="slidenum">
               <a:rPr lang="zh-CN" altLang="en-US" smtClean="0"/>
               <a:t>‹#›</a:t>
             </a:fld>
@@ -2726,7 +2726,7 @@
     </p:spTree>
     <p:extLst>
       <p:ext uri="{BB962C8B-B14F-4D97-AF65-F5344CB8AC3E}">
-        <p14:creationId xmlns:p14="http://schemas.microsoft.com/office/powerpoint/2010/main" val="2841320554"/>
+        <p14:creationId xmlns:p14="http://schemas.microsoft.com/office/powerpoint/2010/main" val="457760333"/>
       </p:ext>
     </p:extLst>
   </p:cSld>
@@ -2763,7 +2763,7 @@
           <p:cNvPr id="2" name="标题占位符 1">
             <a:extLst>
               <a:ext uri="{FF2B5EF4-FFF2-40B4-BE49-F238E27FC236}">
-                <a16:creationId xmlns:a16="http://schemas.microsoft.com/office/drawing/2014/main" id="{0CA2A89E-D812-3AD6-13A1-E7FB1D7566EA}"/>
+                <a16:creationId xmlns:a16="http://schemas.microsoft.com/office/drawing/2014/main" id="{3EBA0096-1C61-D0BA-6C70-B1C9D700AB8E}"/>
               </a:ext>
             </a:extLst>
           </p:cNvPr>
@@ -2801,7 +2801,7 @@
           <p:cNvPr id="3" name="文本占位符 2">
             <a:extLst>
               <a:ext uri="{FF2B5EF4-FFF2-40B4-BE49-F238E27FC236}">
-                <a16:creationId xmlns:a16="http://schemas.microsoft.com/office/drawing/2014/main" id="{C4C513F7-A517-7DFA-FCD5-164083AD6A9A}"/>
+                <a16:creationId xmlns:a16="http://schemas.microsoft.com/office/drawing/2014/main" id="{08673111-AC82-40AC-1A85-B38800AFC6E5}"/>
               </a:ext>
             </a:extLst>
           </p:cNvPr>
@@ -2868,7 +2868,7 @@
           <p:cNvPr id="4" name="日期占位符 3">
             <a:extLst>
               <a:ext uri="{FF2B5EF4-FFF2-40B4-BE49-F238E27FC236}">
-                <a16:creationId xmlns:a16="http://schemas.microsoft.com/office/drawing/2014/main" id="{BDC07DAF-8A37-2E78-DEE6-8AF8554F339D}"/>
+                <a16:creationId xmlns:a16="http://schemas.microsoft.com/office/drawing/2014/main" id="{6B2796EE-320C-3210-158E-4DD725897DFC}"/>
               </a:ext>
             </a:extLst>
           </p:cNvPr>
@@ -2902,7 +2902,7 @@
             </a:lvl1pPr>
           </a:lstStyle>
           <a:p>
-            <a:fld id="{3A9CC9AE-46E2-4394-B076-ED0AFEA872A9}" type="datetimeFigureOut">
+            <a:fld id="{3F95BE1D-2965-4816-AB5E-217F95333303}" type="datetimeFigureOut">
               <a:rPr lang="zh-CN" altLang="en-US" smtClean="0"/>
               <a:t>2024/3/10</a:t>
             </a:fld>
@@ -2915,7 +2915,7 @@
           <p:cNvPr id="5" name="页脚占位符 4">
             <a:extLst>
               <a:ext uri="{FF2B5EF4-FFF2-40B4-BE49-F238E27FC236}">
-                <a16:creationId xmlns:a16="http://schemas.microsoft.com/office/drawing/2014/main" id="{54F9EFF2-5CBA-C7EE-B267-CC294F1C01EE}"/>
+                <a16:creationId xmlns:a16="http://schemas.microsoft.com/office/drawing/2014/main" id="{51A61463-3443-D1E4-B505-95569593A09C}"/>
               </a:ext>
             </a:extLst>
           </p:cNvPr>
@@ -2958,7 +2958,7 @@
           <p:cNvPr id="6" name="灯片编号占位符 5">
             <a:extLst>
               <a:ext uri="{FF2B5EF4-FFF2-40B4-BE49-F238E27FC236}">
-                <a16:creationId xmlns:a16="http://schemas.microsoft.com/office/drawing/2014/main" id="{04CD497E-3FD6-074A-A9FD-D18B44922B8F}"/>
+                <a16:creationId xmlns:a16="http://schemas.microsoft.com/office/drawing/2014/main" id="{650C9C12-5718-D7D6-C109-A62D470DA101}"/>
               </a:ext>
             </a:extLst>
           </p:cNvPr>
@@ -2992,7 +2992,7 @@
             </a:lvl1pPr>
           </a:lstStyle>
           <a:p>
-            <a:fld id="{35072F84-55CF-4A77-8926-3F447541538A}" type="slidenum">
+            <a:fld id="{11D405D5-B045-436C-9251-E456448A25C6}" type="slidenum">
               <a:rPr lang="zh-CN" altLang="en-US" smtClean="0"/>
               <a:t>‹#›</a:t>
             </a:fld>
@@ -3003,7 +3003,7 @@
     </p:spTree>
     <p:extLst>
       <p:ext uri="{BB962C8B-B14F-4D97-AF65-F5344CB8AC3E}">
-        <p14:creationId xmlns:p14="http://schemas.microsoft.com/office/powerpoint/2010/main" val="1728461150"/>
+        <p14:creationId xmlns:p14="http://schemas.microsoft.com/office/powerpoint/2010/main" val="3232874503"/>
       </p:ext>
     </p:extLst>
   </p:cSld>
@@ -3323,7 +3323,7 @@
       </p:grpSpPr>
       <p:pic>
         <p:nvPicPr>
-          <p:cNvPr id="534530" name="Picture 2" descr="521"/>
+          <p:cNvPr id="535554" name="Picture 2" descr="522"/>
           <p:cNvPicPr>
             <a:picLocks noChangeAspect="1" noChangeArrowheads="1"/>
           </p:cNvPicPr>
@@ -3375,11 +3375,275 @@
           </a:extLst>
         </p:spPr>
       </p:pic>
+      <p:pic>
+        <p:nvPicPr>
+          <p:cNvPr id="536579" name="Picture 3" descr="522-2"/>
+          <p:cNvPicPr>
+            <a:picLocks noChangeAspect="1" noChangeArrowheads="1"/>
+          </p:cNvPicPr>
+          <p:nvPr/>
+        </p:nvPicPr>
+        <p:blipFill>
+          <a:blip r:embed="rId3">
+            <a:extLst>
+              <a:ext uri="{28A0092B-C50C-407E-A947-70E740481C1C}">
+                <a14:useLocalDpi xmlns:a14="http://schemas.microsoft.com/office/drawing/2010/main" val="0"/>
+              </a:ext>
+            </a:extLst>
+          </a:blip>
+          <a:srcRect/>
+          <a:stretch>
+            <a:fillRect/>
+          </a:stretch>
+        </p:blipFill>
+        <p:spPr bwMode="auto">
+          <a:xfrm>
+            <a:off x="1560513" y="0"/>
+            <a:ext cx="9144000" cy="6858000"/>
+          </a:xfrm>
+          <a:prstGeom prst="rect">
+            <a:avLst/>
+          </a:prstGeom>
+          <a:noFill/>
+          <a:ln>
+            <a:noFill/>
+          </a:ln>
+          <a:effectLst/>
+          <a:extLst>
+            <a:ext uri="{909E8E84-426E-40DD-AFC4-6F175D3DCCD1}">
+              <a14:hiddenFill xmlns:a14="http://schemas.microsoft.com/office/drawing/2010/main">
+                <a:solidFill>
+                  <a:srgbClr val="FFFFFF"/>
+                </a:solidFill>
+              </a14:hiddenFill>
+            </a:ext>
+            <a:ext uri="{91240B29-F687-4F45-9708-019B960494DF}">
+              <a14:hiddenLine xmlns:a14="http://schemas.microsoft.com/office/drawing/2010/main" w="9525">
+                <a:solidFill>
+                  <a:srgbClr val="000000"/>
+                </a:solidFill>
+                <a:miter lim="800000"/>
+                <a:headEnd/>
+                <a:tailEnd/>
+              </a14:hiddenLine>
+            </a:ext>
+            <a:ext uri="{AF507438-7753-43E0-B8FC-AC1667EBCBE1}">
+              <a14:hiddenEffects xmlns:a14="http://schemas.microsoft.com/office/drawing/2010/main">
+                <a:effectLst>
+                  <a:outerShdw dist="35921" dir="2700000" algn="ctr" rotWithShape="0">
+                    <a:srgbClr val="808080"/>
+                  </a:outerShdw>
+                </a:effectLst>
+              </a14:hiddenEffects>
+            </a:ext>
+          </a:extLst>
+        </p:spPr>
+      </p:pic>
+      <p:pic>
+        <p:nvPicPr>
+          <p:cNvPr id="536580" name="Picture 4" descr="522-3"/>
+          <p:cNvPicPr>
+            <a:picLocks noChangeAspect="1" noChangeArrowheads="1"/>
+          </p:cNvPicPr>
+          <p:nvPr/>
+        </p:nvPicPr>
+        <p:blipFill>
+          <a:blip r:embed="rId4">
+            <a:extLst>
+              <a:ext uri="{28A0092B-C50C-407E-A947-70E740481C1C}">
+                <a14:useLocalDpi xmlns:a14="http://schemas.microsoft.com/office/drawing/2010/main" val="0"/>
+              </a:ext>
+            </a:extLst>
+          </a:blip>
+          <a:srcRect/>
+          <a:stretch>
+            <a:fillRect/>
+          </a:stretch>
+        </p:blipFill>
+        <p:spPr bwMode="auto">
+          <a:xfrm>
+            <a:off x="1501776" y="0"/>
+            <a:ext cx="9129713" cy="6858000"/>
+          </a:xfrm>
+          <a:prstGeom prst="rect">
+            <a:avLst/>
+          </a:prstGeom>
+          <a:noFill/>
+          <a:ln>
+            <a:noFill/>
+          </a:ln>
+          <a:effectLst/>
+          <a:extLst>
+            <a:ext uri="{909E8E84-426E-40DD-AFC4-6F175D3DCCD1}">
+              <a14:hiddenFill xmlns:a14="http://schemas.microsoft.com/office/drawing/2010/main">
+                <a:solidFill>
+                  <a:srgbClr val="FFFFFF"/>
+                </a:solidFill>
+              </a14:hiddenFill>
+            </a:ext>
+            <a:ext uri="{91240B29-F687-4F45-9708-019B960494DF}">
+              <a14:hiddenLine xmlns:a14="http://schemas.microsoft.com/office/drawing/2010/main" w="9525">
+                <a:solidFill>
+                  <a:srgbClr val="000000"/>
+                </a:solidFill>
+                <a:miter lim="800000"/>
+                <a:headEnd/>
+                <a:tailEnd/>
+              </a14:hiddenLine>
+            </a:ext>
+            <a:ext uri="{AF507438-7753-43E0-B8FC-AC1667EBCBE1}">
+              <a14:hiddenEffects xmlns:a14="http://schemas.microsoft.com/office/drawing/2010/main">
+                <a:effectLst>
+                  <a:outerShdw dist="35921" dir="2700000" algn="ctr" rotWithShape="0">
+                    <a:srgbClr val="808080"/>
+                  </a:outerShdw>
+                </a:effectLst>
+              </a14:hiddenEffects>
+            </a:ext>
+          </a:extLst>
+        </p:spPr>
+      </p:pic>
     </p:spTree>
   </p:cSld>
   <p:clrMapOvr>
     <a:masterClrMapping/>
   </p:clrMapOvr>
+  <p:timing>
+    <p:tnLst>
+      <p:par>
+        <p:cTn id="1" dur="indefinite" restart="never" nodeType="tmRoot">
+          <p:childTnLst>
+            <p:seq concurrent="1" nextAc="seek">
+              <p:cTn id="2" dur="indefinite" nodeType="mainSeq">
+                <p:childTnLst>
+                  <p:par>
+                    <p:cTn id="3" fill="hold" nodeType="clickPar">
+                      <p:stCondLst>
+                        <p:cond delay="indefinite"/>
+                      </p:stCondLst>
+                      <p:childTnLst>
+                        <p:par>
+                          <p:cTn id="4" fill="hold" nodeType="withGroup">
+                            <p:stCondLst>
+                              <p:cond delay="0"/>
+                            </p:stCondLst>
+                            <p:childTnLst>
+                              <p:par>
+                                <p:cTn id="5" presetID="10" presetClass="entr" presetSubtype="0" fill="hold" nodeType="clickEffect">
+                                  <p:stCondLst>
+                                    <p:cond delay="0"/>
+                                  </p:stCondLst>
+                                  <p:childTnLst>
+                                    <p:set>
+                                      <p:cBhvr>
+                                        <p:cTn id="6" dur="1" fill="hold">
+                                          <p:stCondLst>
+                                            <p:cond delay="0"/>
+                                          </p:stCondLst>
+                                        </p:cTn>
+                                        <p:tgtEl>
+                                          <p:spTgt spid="536579"/>
+                                        </p:tgtEl>
+                                        <p:attrNameLst>
+                                          <p:attrName>style.visibility</p:attrName>
+                                        </p:attrNameLst>
+                                      </p:cBhvr>
+                                      <p:to>
+                                        <p:strVal val="visible"/>
+                                      </p:to>
+                                    </p:set>
+                                    <p:animEffect transition="in" filter="fade">
+                                      <p:cBhvr>
+                                        <p:cTn id="7" dur="500"/>
+                                        <p:tgtEl>
+                                          <p:spTgt spid="536579"/>
+                                        </p:tgtEl>
+                                      </p:cBhvr>
+                                    </p:animEffect>
+                                  </p:childTnLst>
+                                </p:cTn>
+                              </p:par>
+                            </p:childTnLst>
+                          </p:cTn>
+                        </p:par>
+                      </p:childTnLst>
+                    </p:cTn>
+                  </p:par>
+                  <p:par>
+                    <p:cTn id="8" fill="hold" nodeType="clickPar">
+                      <p:stCondLst>
+                        <p:cond delay="indefinite"/>
+                      </p:stCondLst>
+                      <p:childTnLst>
+                        <p:par>
+                          <p:cTn id="9" fill="hold" nodeType="withGroup">
+                            <p:stCondLst>
+                              <p:cond delay="0"/>
+                            </p:stCondLst>
+                            <p:childTnLst>
+                              <p:par>
+                                <p:cTn id="10" presetID="10" presetClass="entr" presetSubtype="0" fill="hold" nodeType="clickEffect">
+                                  <p:stCondLst>
+                                    <p:cond delay="0"/>
+                                  </p:stCondLst>
+                                  <p:childTnLst>
+                                    <p:set>
+                                      <p:cBhvr>
+                                        <p:cTn id="11" dur="1" fill="hold">
+                                          <p:stCondLst>
+                                            <p:cond delay="0"/>
+                                          </p:stCondLst>
+                                        </p:cTn>
+                                        <p:tgtEl>
+                                          <p:spTgt spid="536580"/>
+                                        </p:tgtEl>
+                                        <p:attrNameLst>
+                                          <p:attrName>style.visibility</p:attrName>
+                                        </p:attrNameLst>
+                                      </p:cBhvr>
+                                      <p:to>
+                                        <p:strVal val="visible"/>
+                                      </p:to>
+                                    </p:set>
+                                    <p:animEffect transition="in" filter="fade">
+                                      <p:cBhvr>
+                                        <p:cTn id="12" dur="500"/>
+                                        <p:tgtEl>
+                                          <p:spTgt spid="536580"/>
+                                        </p:tgtEl>
+                                      </p:cBhvr>
+                                    </p:animEffect>
+                                  </p:childTnLst>
+                                </p:cTn>
+                              </p:par>
+                            </p:childTnLst>
+                          </p:cTn>
+                        </p:par>
+                      </p:childTnLst>
+                    </p:cTn>
+                  </p:par>
+                </p:childTnLst>
+              </p:cTn>
+              <p:prevCondLst>
+                <p:cond evt="onPrev" delay="0">
+                  <p:tgtEl>
+                    <p:sldTgt/>
+                  </p:tgtEl>
+                </p:cond>
+              </p:prevCondLst>
+              <p:nextCondLst>
+                <p:cond evt="onNext" delay="0">
+                  <p:tgtEl>
+                    <p:sldTgt/>
+                  </p:tgtEl>
+                </p:cond>
+              </p:nextCondLst>
+            </p:seq>
+          </p:childTnLst>
+        </p:cTn>
+      </p:par>
+    </p:tnLst>
+  </p:timing>
 </p:sld>
 </file>
 
